--- a/1. 1학년1학기/2. 머신러닝/과제/2-2. 공정데이터를 활용한 설비 오류 발생 예측 시스템_발표자료.pptx
+++ b/1. 1학년1학기/2. 머신러닝/과제/2-2. 공정데이터를 활용한 설비 오류 발생 예측 시스템_발표자료.pptx
@@ -5,10 +5,10 @@
     <p:sldMasterId id="2147483648" r:id="rId1"/>
   </p:sldMasterIdLst>
   <p:notesMasterIdLst>
-    <p:notesMasterId r:id="rId24"/>
+    <p:notesMasterId r:id="rId26"/>
   </p:notesMasterIdLst>
   <p:handoutMasterIdLst>
-    <p:handoutMasterId r:id="rId25"/>
+    <p:handoutMasterId r:id="rId27"/>
   </p:handoutMasterIdLst>
   <p:sldIdLst>
     <p:sldId id="256" r:id="rId2"/>
@@ -33,6 +33,8 @@
     <p:sldId id="633" r:id="rId21"/>
     <p:sldId id="623" r:id="rId22"/>
     <p:sldId id="361" r:id="rId23"/>
+    <p:sldId id="634" r:id="rId24"/>
+    <p:sldId id="635" r:id="rId25"/>
   </p:sldIdLst>
   <p:sldSz cx="9144000" cy="6858000" type="screen4x3"/>
   <p:notesSz cx="6889750" cy="10021888"/>
@@ -2312,6 +2314,186 @@
     <p:extLst>
       <p:ext uri="{BB962C8B-B14F-4D97-AF65-F5344CB8AC3E}">
         <p14:creationId xmlns:p14="http://schemas.microsoft.com/office/powerpoint/2010/main" val="1912650934"/>
+      </p:ext>
+    </p:extLst>
+  </p:cSld>
+  <p:clrMapOvr>
+    <a:masterClrMapping/>
+  </p:clrMapOvr>
+</p:notes>
+</file>
+
+<file path=ppt/notesSlides/notesSlide23.xml><?xml version="1.0" encoding="utf-8"?>
+<p:notes xmlns:a="http://schemas.openxmlformats.org/drawingml/2006/main" xmlns:r="http://schemas.openxmlformats.org/officeDocument/2006/relationships" xmlns:p="http://schemas.openxmlformats.org/presentationml/2006/main">
+  <p:cSld>
+    <p:spTree>
+      <p:nvGrpSpPr>
+        <p:cNvPr id="1" name=""/>
+        <p:cNvGrpSpPr/>
+        <p:nvPr/>
+      </p:nvGrpSpPr>
+      <p:grpSpPr>
+        <a:xfrm>
+          <a:off x="0" y="0"/>
+          <a:ext cx="0" cy="0"/>
+          <a:chOff x="0" y="0"/>
+          <a:chExt cx="0" cy="0"/>
+        </a:xfrm>
+      </p:grpSpPr>
+      <p:sp>
+        <p:nvSpPr>
+          <p:cNvPr id="2" name="슬라이드 이미지 개체 틀 1"/>
+          <p:cNvSpPr>
+            <a:spLocks noGrp="1" noRot="1" noChangeAspect="1"/>
+          </p:cNvSpPr>
+          <p:nvPr>
+            <p:ph type="sldImg"/>
+          </p:nvPr>
+        </p:nvSpPr>
+        <p:spPr/>
+      </p:sp>
+      <p:sp>
+        <p:nvSpPr>
+          <p:cNvPr id="3" name="슬라이드 노트 개체 틀 2"/>
+          <p:cNvSpPr>
+            <a:spLocks noGrp="1"/>
+          </p:cNvSpPr>
+          <p:nvPr>
+            <p:ph type="body" idx="1"/>
+          </p:nvPr>
+        </p:nvSpPr>
+        <p:spPr/>
+        <p:txBody>
+          <a:bodyPr/>
+          <a:lstStyle/>
+          <a:p>
+            <a:endParaRPr lang="ko-KR" altLang="en-US" dirty="0"/>
+          </a:p>
+        </p:txBody>
+      </p:sp>
+      <p:sp>
+        <p:nvSpPr>
+          <p:cNvPr id="4" name="슬라이드 번호 개체 틀 3"/>
+          <p:cNvSpPr>
+            <a:spLocks noGrp="1"/>
+          </p:cNvSpPr>
+          <p:nvPr>
+            <p:ph type="sldNum" sz="quarter" idx="5"/>
+          </p:nvPr>
+        </p:nvSpPr>
+        <p:spPr/>
+        <p:txBody>
+          <a:bodyPr/>
+          <a:lstStyle/>
+          <a:p>
+            <a:pPr>
+              <a:defRPr/>
+            </a:pPr>
+            <a:fld id="{A10404A0-7E6D-450D-97DD-AFCF6972070C}" type="slidenum">
+              <a:rPr lang="en-US" altLang="ko-KR" smtClean="0"/>
+              <a:pPr>
+                <a:defRPr/>
+              </a:pPr>
+              <a:t>23</a:t>
+            </a:fld>
+            <a:endParaRPr lang="en-US" altLang="ko-KR"/>
+          </a:p>
+        </p:txBody>
+      </p:sp>
+    </p:spTree>
+    <p:extLst>
+      <p:ext uri="{BB962C8B-B14F-4D97-AF65-F5344CB8AC3E}">
+        <p14:creationId xmlns:p14="http://schemas.microsoft.com/office/powerpoint/2010/main" val="596272244"/>
+      </p:ext>
+    </p:extLst>
+  </p:cSld>
+  <p:clrMapOvr>
+    <a:masterClrMapping/>
+  </p:clrMapOvr>
+</p:notes>
+</file>
+
+<file path=ppt/notesSlides/notesSlide24.xml><?xml version="1.0" encoding="utf-8"?>
+<p:notes xmlns:a="http://schemas.openxmlformats.org/drawingml/2006/main" xmlns:r="http://schemas.openxmlformats.org/officeDocument/2006/relationships" xmlns:p="http://schemas.openxmlformats.org/presentationml/2006/main">
+  <p:cSld>
+    <p:spTree>
+      <p:nvGrpSpPr>
+        <p:cNvPr id="1" name=""/>
+        <p:cNvGrpSpPr/>
+        <p:nvPr/>
+      </p:nvGrpSpPr>
+      <p:grpSpPr>
+        <a:xfrm>
+          <a:off x="0" y="0"/>
+          <a:ext cx="0" cy="0"/>
+          <a:chOff x="0" y="0"/>
+          <a:chExt cx="0" cy="0"/>
+        </a:xfrm>
+      </p:grpSpPr>
+      <p:sp>
+        <p:nvSpPr>
+          <p:cNvPr id="2" name="슬라이드 이미지 개체 틀 1"/>
+          <p:cNvSpPr>
+            <a:spLocks noGrp="1" noRot="1" noChangeAspect="1"/>
+          </p:cNvSpPr>
+          <p:nvPr>
+            <p:ph type="sldImg"/>
+          </p:nvPr>
+        </p:nvSpPr>
+        <p:spPr/>
+      </p:sp>
+      <p:sp>
+        <p:nvSpPr>
+          <p:cNvPr id="3" name="슬라이드 노트 개체 틀 2"/>
+          <p:cNvSpPr>
+            <a:spLocks noGrp="1"/>
+          </p:cNvSpPr>
+          <p:nvPr>
+            <p:ph type="body" idx="1"/>
+          </p:nvPr>
+        </p:nvSpPr>
+        <p:spPr/>
+        <p:txBody>
+          <a:bodyPr/>
+          <a:lstStyle/>
+          <a:p>
+            <a:endParaRPr lang="ko-KR" altLang="en-US" dirty="0"/>
+          </a:p>
+        </p:txBody>
+      </p:sp>
+      <p:sp>
+        <p:nvSpPr>
+          <p:cNvPr id="4" name="슬라이드 번호 개체 틀 3"/>
+          <p:cNvSpPr>
+            <a:spLocks noGrp="1"/>
+          </p:cNvSpPr>
+          <p:nvPr>
+            <p:ph type="sldNum" sz="quarter" idx="5"/>
+          </p:nvPr>
+        </p:nvSpPr>
+        <p:spPr/>
+        <p:txBody>
+          <a:bodyPr/>
+          <a:lstStyle/>
+          <a:p>
+            <a:pPr>
+              <a:defRPr/>
+            </a:pPr>
+            <a:fld id="{A10404A0-7E6D-450D-97DD-AFCF6972070C}" type="slidenum">
+              <a:rPr lang="en-US" altLang="ko-KR" smtClean="0"/>
+              <a:pPr>
+                <a:defRPr/>
+              </a:pPr>
+              <a:t>24</a:t>
+            </a:fld>
+            <a:endParaRPr lang="en-US" altLang="ko-KR"/>
+          </a:p>
+        </p:txBody>
+      </p:sp>
+    </p:spTree>
+    <p:extLst>
+      <p:ext uri="{BB962C8B-B14F-4D97-AF65-F5344CB8AC3E}">
+        <p14:creationId xmlns:p14="http://schemas.microsoft.com/office/powerpoint/2010/main" val="870971601"/>
       </p:ext>
     </p:extLst>
   </p:cSld>
@@ -12664,6 +12846,75 @@
           </a:graphicData>
         </a:graphic>
       </p:graphicFrame>
+      <p:sp>
+        <p:nvSpPr>
+          <p:cNvPr id="2" name="TextBox 1">
+            <a:extLst>
+              <a:ext uri="{FF2B5EF4-FFF2-40B4-BE49-F238E27FC236}">
+                <a16:creationId xmlns:a16="http://schemas.microsoft.com/office/drawing/2014/main" id="{DD5D8595-388E-606C-05F3-FC9933BBB44E}"/>
+              </a:ext>
+            </a:extLst>
+          </p:cNvPr>
+          <p:cNvSpPr txBox="1"/>
+          <p:nvPr/>
+        </p:nvSpPr>
+        <p:spPr>
+          <a:xfrm>
+            <a:off x="1803307" y="6438845"/>
+            <a:ext cx="5976188" cy="276999"/>
+          </a:xfrm>
+          <a:prstGeom prst="rect">
+            <a:avLst/>
+          </a:prstGeom>
+          <a:noFill/>
+        </p:spPr>
+        <p:txBody>
+          <a:bodyPr wrap="square">
+            <a:spAutoFit/>
+          </a:bodyPr>
+          <a:lstStyle/>
+          <a:p>
+            <a:pPr algn="ctr"/>
+            <a:r>
+              <a:rPr lang="en-US" altLang="ko-KR" sz="1200" b="1" dirty="0"/>
+              <a:t>[</a:t>
+            </a:r>
+            <a:r>
+              <a:rPr lang="ko-KR" altLang="en-US" sz="1200" b="1" dirty="0"/>
+              <a:t>정규화를 진행전의 데이터분포</a:t>
+            </a:r>
+            <a:r>
+              <a:rPr lang="en-US" altLang="ko-KR" sz="1200" b="1" dirty="0"/>
+              <a:t>(</a:t>
+            </a:r>
+            <a:r>
+              <a:rPr lang="ko-KR" altLang="en-US" sz="1200" b="1" dirty="0"/>
+              <a:t>왼쪽</a:t>
+            </a:r>
+            <a:r>
+              <a:rPr lang="en-US" altLang="ko-KR" sz="1200" b="1" dirty="0"/>
+              <a:t>) / </a:t>
+            </a:r>
+            <a:r>
+              <a:rPr lang="ko-KR" altLang="en-US" sz="1200" b="1" dirty="0"/>
+              <a:t>정규화 진행 후의 데이터 분포</a:t>
+            </a:r>
+            <a:r>
+              <a:rPr lang="en-US" altLang="ko-KR" sz="1200" b="1" dirty="0"/>
+              <a:t>(</a:t>
+            </a:r>
+            <a:r>
+              <a:rPr lang="ko-KR" altLang="en-US" sz="1200" b="1" dirty="0"/>
+              <a:t>오른쪽</a:t>
+            </a:r>
+            <a:r>
+              <a:rPr lang="en-US" altLang="ko-KR" sz="1200" b="1" dirty="0"/>
+              <a:t>)]</a:t>
+            </a:r>
+            <a:endParaRPr lang="ko-KR" altLang="en-US" sz="1200" b="1" dirty="0"/>
+          </a:p>
+        </p:txBody>
+      </p:sp>
     </p:spTree>
     <p:extLst>
       <p:ext uri="{BB962C8B-B14F-4D97-AF65-F5344CB8AC3E}">
@@ -15861,7 +16112,7 @@
         </p:blipFill>
         <p:spPr bwMode="auto">
           <a:xfrm>
-            <a:off x="2045514" y="4525897"/>
+            <a:off x="2009328" y="4523766"/>
             <a:ext cx="2376264" cy="1704103"/>
           </a:xfrm>
           <a:prstGeom prst="rect">
@@ -15908,7 +16159,7 @@
         </p:blipFill>
         <p:spPr bwMode="auto">
           <a:xfrm>
-            <a:off x="5076056" y="4521635"/>
+            <a:off x="5436096" y="4519504"/>
             <a:ext cx="2304256" cy="1708365"/>
           </a:xfrm>
           <a:prstGeom prst="rect">
@@ -15926,6 +16177,170 @@
           </a:extLst>
         </p:spPr>
       </p:pic>
+      <p:sp>
+        <p:nvSpPr>
+          <p:cNvPr id="7" name="TextBox 6">
+            <a:extLst>
+              <a:ext uri="{FF2B5EF4-FFF2-40B4-BE49-F238E27FC236}">
+                <a16:creationId xmlns:a16="http://schemas.microsoft.com/office/drawing/2014/main" id="{0FCBFAEF-E973-50EC-AF44-DA5B3232DF36}"/>
+              </a:ext>
+            </a:extLst>
+          </p:cNvPr>
+          <p:cNvSpPr txBox="1"/>
+          <p:nvPr/>
+        </p:nvSpPr>
+        <p:spPr>
+          <a:xfrm>
+            <a:off x="1675602" y="6229135"/>
+            <a:ext cx="3240360" cy="246221"/>
+          </a:xfrm>
+          <a:prstGeom prst="rect">
+            <a:avLst/>
+          </a:prstGeom>
+          <a:noFill/>
+        </p:spPr>
+        <p:txBody>
+          <a:bodyPr wrap="square">
+            <a:spAutoFit/>
+          </a:bodyPr>
+          <a:lstStyle/>
+          <a:p>
+            <a:r>
+              <a:rPr lang="en-US" altLang="ko-KR" sz="1000" b="1" dirty="0"/>
+              <a:t>[</a:t>
+            </a:r>
+            <a:r>
+              <a:rPr lang="ko-KR" altLang="en-US" sz="1000" b="1" dirty="0" err="1"/>
+              <a:t>임계값</a:t>
+            </a:r>
+            <a:r>
+              <a:rPr lang="en-US" altLang="ko-KR" sz="1000" b="1" dirty="0"/>
+              <a:t> </a:t>
+            </a:r>
+            <a:r>
+              <a:rPr lang="ko-KR" altLang="en-US" sz="1000" b="1" dirty="0"/>
+              <a:t>이하의 데이터</a:t>
+            </a:r>
+            <a:r>
+              <a:rPr lang="en-US" altLang="ko-KR" sz="1000" b="1" dirty="0"/>
+              <a:t>(</a:t>
+            </a:r>
+            <a:r>
+              <a:rPr lang="ko-KR" altLang="en-US" sz="1000" b="1" dirty="0"/>
+              <a:t>정상</a:t>
+            </a:r>
+            <a:r>
+              <a:rPr lang="en-US" altLang="ko-KR" sz="1000" b="1" dirty="0"/>
+              <a:t>) </a:t>
+            </a:r>
+            <a:r>
+              <a:rPr lang="ko-KR" altLang="en-US" sz="1000" b="1" dirty="0"/>
+              <a:t>개수 분포</a:t>
+            </a:r>
+            <a:r>
+              <a:rPr lang="en-US" altLang="ko-KR" sz="1000" b="1" dirty="0"/>
+              <a:t>(</a:t>
+            </a:r>
+            <a:r>
+              <a:rPr lang="ko-KR" altLang="en-US" sz="1000" b="1" dirty="0"/>
+              <a:t>총 </a:t>
+            </a:r>
+            <a:r>
+              <a:rPr lang="en-US" altLang="ko-KR" sz="1000" b="1" dirty="0"/>
+              <a:t>13899</a:t>
+            </a:r>
+            <a:r>
+              <a:rPr lang="ko-KR" altLang="en-US" sz="1000" b="1" dirty="0"/>
+              <a:t>개</a:t>
+            </a:r>
+            <a:r>
+              <a:rPr lang="en-US" altLang="ko-KR" sz="1000" b="1" dirty="0"/>
+              <a:t>)</a:t>
+            </a:r>
+            <a:endParaRPr lang="ko-KR" altLang="en-US" sz="1000" b="1" dirty="0"/>
+          </a:p>
+        </p:txBody>
+      </p:sp>
+      <p:sp>
+        <p:nvSpPr>
+          <p:cNvPr id="8" name="TextBox 7">
+            <a:extLst>
+              <a:ext uri="{FF2B5EF4-FFF2-40B4-BE49-F238E27FC236}">
+                <a16:creationId xmlns:a16="http://schemas.microsoft.com/office/drawing/2014/main" id="{54C2A112-2C85-FC8F-9B8A-FC8BEC2738B9}"/>
+              </a:ext>
+            </a:extLst>
+          </p:cNvPr>
+          <p:cNvSpPr txBox="1"/>
+          <p:nvPr/>
+        </p:nvSpPr>
+        <p:spPr>
+          <a:xfrm>
+            <a:off x="5023792" y="6229135"/>
+            <a:ext cx="3128864" cy="246221"/>
+          </a:xfrm>
+          <a:prstGeom prst="rect">
+            <a:avLst/>
+          </a:prstGeom>
+          <a:noFill/>
+        </p:spPr>
+        <p:txBody>
+          <a:bodyPr wrap="square">
+            <a:spAutoFit/>
+          </a:bodyPr>
+          <a:lstStyle/>
+          <a:p>
+            <a:r>
+              <a:rPr lang="en-US" altLang="ko-KR" sz="1000" b="1" dirty="0"/>
+              <a:t>[</a:t>
+            </a:r>
+            <a:r>
+              <a:rPr lang="ko-KR" altLang="en-US" sz="1000" b="1" dirty="0" err="1"/>
+              <a:t>임계값</a:t>
+            </a:r>
+            <a:r>
+              <a:rPr lang="ko-KR" altLang="en-US" sz="1000" b="1" dirty="0"/>
+              <a:t> 이하의 데이터</a:t>
+            </a:r>
+            <a:r>
+              <a:rPr lang="en-US" altLang="ko-KR" sz="1000" b="1" dirty="0"/>
+              <a:t>(</a:t>
+            </a:r>
+            <a:r>
+              <a:rPr lang="ko-KR" altLang="en-US" sz="1000" b="1" dirty="0"/>
+              <a:t>정상</a:t>
+            </a:r>
+            <a:r>
+              <a:rPr lang="en-US" altLang="ko-KR" sz="1000" b="1" dirty="0"/>
+              <a:t>) </a:t>
+            </a:r>
+            <a:r>
+              <a:rPr lang="ko-KR" altLang="en-US" sz="1000" b="1" dirty="0"/>
+              <a:t>개수 분포</a:t>
+            </a:r>
+            <a:r>
+              <a:rPr lang="en-US" altLang="ko-KR" sz="1000" b="1" dirty="0"/>
+              <a:t>(</a:t>
+            </a:r>
+            <a:r>
+              <a:rPr lang="ko-KR" altLang="en-US" sz="1000" b="1" dirty="0"/>
+              <a:t>총 </a:t>
+            </a:r>
+            <a:r>
+              <a:rPr lang="en-US" altLang="ko-KR" sz="1000" b="1" dirty="0"/>
+              <a:t>13899</a:t>
+            </a:r>
+            <a:r>
+              <a:rPr lang="ko-KR" altLang="en-US" sz="1000" b="1" dirty="0"/>
+              <a:t>개</a:t>
+            </a:r>
+            <a:r>
+              <a:rPr lang="en-US" altLang="ko-KR" sz="1000" b="1" dirty="0"/>
+              <a:t>)</a:t>
+            </a:r>
+            <a:endParaRPr lang="ko-KR" altLang="en-US" sz="1000" b="1" dirty="0"/>
+          </a:p>
+        </p:txBody>
+      </p:sp>
     </p:spTree>
     <p:extLst>
       <p:ext uri="{BB962C8B-B14F-4D97-AF65-F5344CB8AC3E}">
@@ -21753,6 +22168,1941 @@
         </p:txBody>
       </p:sp>
     </p:spTree>
+  </p:cSld>
+  <p:clrMapOvr>
+    <a:masterClrMapping/>
+  </p:clrMapOvr>
+  <p:transition>
+    <p:fade/>
+  </p:transition>
+</p:sld>
+</file>
+
+<file path=ppt/slides/slide23.xml><?xml version="1.0" encoding="utf-8"?>
+<p:sld xmlns:a="http://schemas.openxmlformats.org/drawingml/2006/main" xmlns:r="http://schemas.openxmlformats.org/officeDocument/2006/relationships" xmlns:p="http://schemas.openxmlformats.org/presentationml/2006/main">
+  <p:cSld>
+    <p:spTree>
+      <p:nvGrpSpPr>
+        <p:cNvPr id="1" name=""/>
+        <p:cNvGrpSpPr/>
+        <p:nvPr/>
+      </p:nvGrpSpPr>
+      <p:grpSpPr>
+        <a:xfrm>
+          <a:off x="0" y="0"/>
+          <a:ext cx="0" cy="0"/>
+          <a:chOff x="0" y="0"/>
+          <a:chExt cx="0" cy="0"/>
+        </a:xfrm>
+      </p:grpSpPr>
+      <p:sp>
+        <p:nvSpPr>
+          <p:cNvPr id="3107" name="Rectangle 203"/>
+          <p:cNvSpPr>
+            <a:spLocks noChangeArrowheads="1"/>
+          </p:cNvSpPr>
+          <p:nvPr/>
+        </p:nvSpPr>
+        <p:spPr bwMode="auto">
+          <a:xfrm>
+            <a:off x="2124075" y="111125"/>
+            <a:ext cx="5040313" cy="457200"/>
+          </a:xfrm>
+          <a:prstGeom prst="rect">
+            <a:avLst/>
+          </a:prstGeom>
+          <a:noFill/>
+          <a:ln w="9525">
+            <a:noFill/>
+            <a:miter lim="800000"/>
+            <a:headEnd/>
+            <a:tailEnd/>
+          </a:ln>
+        </p:spPr>
+        <p:txBody>
+          <a:bodyPr>
+            <a:spAutoFit/>
+          </a:bodyPr>
+          <a:lstStyle/>
+          <a:p>
+            <a:pPr algn="ctr"/>
+            <a:r>
+              <a:rPr lang="en-US" altLang="ko-KR" sz="2400" b="1" dirty="0">
+                <a:solidFill>
+                  <a:schemeClr val="bg1"/>
+                </a:solidFill>
+                <a:latin typeface="HY헤드라인M" pitchFamily="18" charset="-127"/>
+                <a:ea typeface="HY헤드라인M" pitchFamily="18" charset="-127"/>
+              </a:rPr>
+              <a:t>Appendix</a:t>
+            </a:r>
+            <a:endParaRPr lang="ko-KR" altLang="en-US" sz="2400" b="1" dirty="0">
+              <a:solidFill>
+                <a:schemeClr val="bg1"/>
+              </a:solidFill>
+              <a:latin typeface="HY헤드라인M" pitchFamily="18" charset="-127"/>
+              <a:ea typeface="HY헤드라인M" pitchFamily="18" charset="-127"/>
+            </a:endParaRPr>
+          </a:p>
+        </p:txBody>
+      </p:sp>
+      <p:sp>
+        <p:nvSpPr>
+          <p:cNvPr id="4" name="TextBox 3">
+            <a:extLst>
+              <a:ext uri="{FF2B5EF4-FFF2-40B4-BE49-F238E27FC236}">
+                <a16:creationId xmlns:a16="http://schemas.microsoft.com/office/drawing/2014/main" id="{5C04DEE2-8A04-E647-5ABA-FEF72E7AE5E2}"/>
+              </a:ext>
+            </a:extLst>
+          </p:cNvPr>
+          <p:cNvSpPr txBox="1"/>
+          <p:nvPr/>
+        </p:nvSpPr>
+        <p:spPr>
+          <a:xfrm>
+            <a:off x="245401" y="1052736"/>
+            <a:ext cx="8496944" cy="1477328"/>
+          </a:xfrm>
+          <a:prstGeom prst="rect">
+            <a:avLst/>
+          </a:prstGeom>
+          <a:noFill/>
+        </p:spPr>
+        <p:txBody>
+          <a:bodyPr wrap="square">
+            <a:spAutoFit/>
+          </a:bodyPr>
+          <a:lstStyle/>
+          <a:p>
+            <a:pPr algn="l"/>
+            <a:r>
+              <a:rPr lang="en-US" altLang="ko-KR" b="0" i="0" dirty="0">
+                <a:solidFill>
+                  <a:srgbClr val="555555"/>
+                </a:solidFill>
+                <a:effectLst/>
+                <a:latin typeface="Noto Serif KR"/>
+              </a:rPr>
+              <a:t>[1] </a:t>
+            </a:r>
+            <a:r>
+              <a:rPr lang="ko-KR" altLang="en-US" b="1" i="0" dirty="0">
+                <a:solidFill>
+                  <a:srgbClr val="555555"/>
+                </a:solidFill>
+                <a:effectLst/>
+                <a:latin typeface="Noto Serif KR"/>
+              </a:rPr>
+              <a:t>정확도</a:t>
+            </a:r>
+            <a:r>
+              <a:rPr lang="en-US" altLang="ko-KR" b="1" i="0" dirty="0">
+                <a:solidFill>
+                  <a:srgbClr val="555555"/>
+                </a:solidFill>
+                <a:effectLst/>
+                <a:latin typeface="Noto Serif KR"/>
+              </a:rPr>
+              <a:t>(Accuracy)</a:t>
+            </a:r>
+            <a:endParaRPr lang="ko-KR" altLang="en-US" b="0" i="0" dirty="0">
+              <a:solidFill>
+                <a:srgbClr val="555555"/>
+              </a:solidFill>
+              <a:effectLst/>
+              <a:latin typeface="Spoqa Han Sans"/>
+            </a:endParaRPr>
+          </a:p>
+          <a:p>
+            <a:pPr algn="l"/>
+            <a:r>
+              <a:rPr lang="ko-KR" altLang="en-US" b="0" i="0" dirty="0">
+                <a:solidFill>
+                  <a:srgbClr val="555555"/>
+                </a:solidFill>
+                <a:effectLst/>
+                <a:latin typeface="Noto Serif KR"/>
+              </a:rPr>
+              <a:t>정확도는 </a:t>
+            </a:r>
+            <a:r>
+              <a:rPr lang="en-US" altLang="ko-KR" b="0" i="0" dirty="0">
+                <a:solidFill>
+                  <a:srgbClr val="555555"/>
+                </a:solidFill>
+                <a:effectLst/>
+                <a:latin typeface="Noto Serif KR"/>
+              </a:rPr>
+              <a:t>(TP+TN)/(TP+TN+FP+FN)</a:t>
+            </a:r>
+            <a:r>
+              <a:rPr lang="ko-KR" altLang="en-US" b="0" i="0" dirty="0">
+                <a:solidFill>
+                  <a:srgbClr val="555555"/>
+                </a:solidFill>
+                <a:effectLst/>
+                <a:latin typeface="Noto Serif KR"/>
+              </a:rPr>
+              <a:t>으로 나타냅니다</a:t>
+            </a:r>
+            <a:r>
+              <a:rPr lang="en-US" altLang="ko-KR" b="0" i="0" dirty="0">
+                <a:solidFill>
+                  <a:srgbClr val="555555"/>
+                </a:solidFill>
+                <a:effectLst/>
+                <a:latin typeface="Noto Serif KR"/>
+              </a:rPr>
+              <a:t>. </a:t>
+            </a:r>
+            <a:r>
+              <a:rPr lang="ko-KR" altLang="en-US" b="0" i="0" dirty="0">
+                <a:solidFill>
+                  <a:srgbClr val="555555"/>
+                </a:solidFill>
+                <a:effectLst/>
+                <a:latin typeface="Noto Serif KR"/>
+              </a:rPr>
+              <a:t>분수식의 분자에서 유추할 수 있듯이</a:t>
+            </a:r>
+            <a:r>
+              <a:rPr lang="en-US" altLang="ko-KR" b="0" i="0" dirty="0">
+                <a:solidFill>
+                  <a:srgbClr val="555555"/>
+                </a:solidFill>
+                <a:effectLst/>
+                <a:latin typeface="Noto Serif KR"/>
+              </a:rPr>
+              <a:t>, </a:t>
+            </a:r>
+            <a:r>
+              <a:rPr lang="ko-KR" altLang="en-US" b="0" i="0" dirty="0">
+                <a:solidFill>
+                  <a:srgbClr val="555555"/>
+                </a:solidFill>
+                <a:effectLst/>
+                <a:latin typeface="Noto Serif KR"/>
+              </a:rPr>
+              <a:t>정확도는 예측을 긍정으로 했든 부정으로 했든 실제로 참이었는지에 </a:t>
+            </a:r>
+            <a:r>
+              <a:rPr lang="ko-KR" altLang="en-US" b="0" i="0" dirty="0" err="1">
+                <a:solidFill>
+                  <a:srgbClr val="555555"/>
+                </a:solidFill>
+                <a:effectLst/>
+                <a:latin typeface="Noto Serif KR"/>
+              </a:rPr>
+              <a:t>포커싱을</a:t>
+            </a:r>
+            <a:r>
+              <a:rPr lang="ko-KR" altLang="en-US" b="0" i="0" dirty="0">
+                <a:solidFill>
+                  <a:srgbClr val="555555"/>
+                </a:solidFill>
+                <a:effectLst/>
+                <a:latin typeface="Noto Serif KR"/>
+              </a:rPr>
+              <a:t> 둔 지표임을 알 수 있습니다</a:t>
+            </a:r>
+            <a:r>
+              <a:rPr lang="en-US" altLang="ko-KR" b="0" i="0" dirty="0">
+                <a:solidFill>
+                  <a:srgbClr val="555555"/>
+                </a:solidFill>
+                <a:effectLst/>
+                <a:latin typeface="Noto Serif KR"/>
+              </a:rPr>
+              <a:t>. </a:t>
+            </a:r>
+            <a:r>
+              <a:rPr lang="ko-KR" altLang="en-US" b="0" i="0" dirty="0">
+                <a:solidFill>
+                  <a:srgbClr val="555555"/>
+                </a:solidFill>
+                <a:effectLst/>
+                <a:latin typeface="Noto Serif KR"/>
+              </a:rPr>
+              <a:t>즉</a:t>
+            </a:r>
+            <a:r>
+              <a:rPr lang="en-US" altLang="ko-KR" b="0" i="0" dirty="0">
+                <a:solidFill>
+                  <a:srgbClr val="555555"/>
+                </a:solidFill>
+                <a:effectLst/>
+                <a:latin typeface="Noto Serif KR"/>
+              </a:rPr>
+              <a:t>, </a:t>
+            </a:r>
+            <a:r>
+              <a:rPr lang="ko-KR" altLang="en-US" b="0" i="0" dirty="0">
+                <a:solidFill>
+                  <a:srgbClr val="555555"/>
+                </a:solidFill>
+                <a:effectLst/>
+                <a:latin typeface="Noto Serif KR"/>
+              </a:rPr>
+              <a:t>어떤 방식으로 예측을 하였든 실제로 그러한 예측이 참이었는지를 묻는 지표인 셈입니다</a:t>
+            </a:r>
+            <a:r>
+              <a:rPr lang="en-US" altLang="ko-KR" b="0" i="0" dirty="0">
+                <a:solidFill>
+                  <a:srgbClr val="555555"/>
+                </a:solidFill>
+                <a:effectLst/>
+                <a:latin typeface="Noto Serif KR"/>
+              </a:rPr>
+              <a:t>. </a:t>
+            </a:r>
+            <a:endParaRPr lang="ko-KR" altLang="en-US" b="0" i="0" dirty="0">
+              <a:solidFill>
+                <a:srgbClr val="555555"/>
+              </a:solidFill>
+              <a:effectLst/>
+              <a:latin typeface="Spoqa Han Sans"/>
+            </a:endParaRPr>
+          </a:p>
+        </p:txBody>
+      </p:sp>
+      <p:sp>
+        <p:nvSpPr>
+          <p:cNvPr id="6" name="TextBox 5">
+            <a:extLst>
+              <a:ext uri="{FF2B5EF4-FFF2-40B4-BE49-F238E27FC236}">
+                <a16:creationId xmlns:a16="http://schemas.microsoft.com/office/drawing/2014/main" id="{F0DB0969-3385-C63B-40AD-D15FC30E0DDD}"/>
+              </a:ext>
+            </a:extLst>
+          </p:cNvPr>
+          <p:cNvSpPr txBox="1"/>
+          <p:nvPr/>
+        </p:nvSpPr>
+        <p:spPr>
+          <a:xfrm>
+            <a:off x="251519" y="2767619"/>
+            <a:ext cx="8424713" cy="1754326"/>
+          </a:xfrm>
+          <a:prstGeom prst="rect">
+            <a:avLst/>
+          </a:prstGeom>
+          <a:noFill/>
+        </p:spPr>
+        <p:txBody>
+          <a:bodyPr wrap="square">
+            <a:spAutoFit/>
+          </a:bodyPr>
+          <a:lstStyle/>
+          <a:p>
+            <a:pPr algn="l"/>
+            <a:r>
+              <a:rPr lang="en-US" altLang="ko-KR" b="0" i="0" dirty="0">
+                <a:solidFill>
+                  <a:srgbClr val="555555"/>
+                </a:solidFill>
+                <a:effectLst/>
+                <a:latin typeface="Noto Serif KR"/>
+              </a:rPr>
+              <a:t>[2] </a:t>
+            </a:r>
+            <a:r>
+              <a:rPr lang="ko-KR" altLang="en-US" b="1" i="0" dirty="0">
+                <a:solidFill>
+                  <a:srgbClr val="555555"/>
+                </a:solidFill>
+                <a:effectLst/>
+                <a:latin typeface="Noto Serif KR"/>
+              </a:rPr>
+              <a:t>정밀도</a:t>
+            </a:r>
+            <a:r>
+              <a:rPr lang="en-US" altLang="ko-KR" b="1" i="0" dirty="0">
+                <a:solidFill>
+                  <a:srgbClr val="555555"/>
+                </a:solidFill>
+                <a:effectLst/>
+                <a:latin typeface="Noto Serif KR"/>
+              </a:rPr>
+              <a:t>(Precision)</a:t>
+            </a:r>
+            <a:endParaRPr lang="ko-KR" altLang="en-US" b="0" i="0" dirty="0">
+              <a:solidFill>
+                <a:srgbClr val="555555"/>
+              </a:solidFill>
+              <a:effectLst/>
+              <a:latin typeface="Spoqa Han Sans"/>
+            </a:endParaRPr>
+          </a:p>
+          <a:p>
+            <a:pPr algn="l"/>
+            <a:r>
+              <a:rPr lang="ko-KR" altLang="en-US" b="0" i="0" dirty="0">
+                <a:solidFill>
+                  <a:srgbClr val="555555"/>
+                </a:solidFill>
+                <a:effectLst/>
+                <a:latin typeface="Noto Serif KR"/>
+              </a:rPr>
+              <a:t>정밀도는 </a:t>
+            </a:r>
+            <a:r>
+              <a:rPr lang="en-US" altLang="ko-KR" b="0" i="0" dirty="0">
+                <a:solidFill>
+                  <a:srgbClr val="555555"/>
+                </a:solidFill>
+                <a:effectLst/>
+                <a:latin typeface="Noto Serif KR"/>
+              </a:rPr>
+              <a:t>TP/(TP+FP)</a:t>
+            </a:r>
+            <a:r>
+              <a:rPr lang="ko-KR" altLang="en-US" b="0" i="0" dirty="0">
+                <a:solidFill>
+                  <a:srgbClr val="555555"/>
+                </a:solidFill>
+                <a:effectLst/>
+                <a:latin typeface="Noto Serif KR"/>
+              </a:rPr>
+              <a:t>로 나타냅니다</a:t>
+            </a:r>
+            <a:r>
+              <a:rPr lang="en-US" altLang="ko-KR" b="0" i="0" dirty="0">
+                <a:solidFill>
+                  <a:srgbClr val="555555"/>
+                </a:solidFill>
+                <a:effectLst/>
+                <a:latin typeface="Noto Serif KR"/>
+              </a:rPr>
+              <a:t>. </a:t>
+            </a:r>
+            <a:r>
+              <a:rPr lang="ko-KR" altLang="en-US" b="0" i="0" dirty="0">
+                <a:solidFill>
+                  <a:srgbClr val="555555"/>
+                </a:solidFill>
+                <a:effectLst/>
+                <a:latin typeface="Noto Serif KR"/>
+              </a:rPr>
+              <a:t>긍정적으로 예측하였을 때 그러한 예측이 실제로 참이었을 확률을 계산한 것입니다</a:t>
+            </a:r>
+            <a:r>
+              <a:rPr lang="en-US" altLang="ko-KR" b="0" i="0" dirty="0">
+                <a:solidFill>
+                  <a:srgbClr val="555555"/>
+                </a:solidFill>
+                <a:effectLst/>
+                <a:latin typeface="Noto Serif KR"/>
+              </a:rPr>
+              <a:t>. </a:t>
+            </a:r>
+            <a:r>
+              <a:rPr lang="ko-KR" altLang="en-US" b="0" i="0" dirty="0">
+                <a:solidFill>
+                  <a:srgbClr val="555555"/>
+                </a:solidFill>
+                <a:effectLst/>
+                <a:latin typeface="Noto Serif KR"/>
+              </a:rPr>
+              <a:t>정확도와 다르게</a:t>
+            </a:r>
+            <a:r>
+              <a:rPr lang="en-US" altLang="ko-KR" b="0" i="0" dirty="0">
+                <a:solidFill>
+                  <a:srgbClr val="555555"/>
+                </a:solidFill>
+                <a:effectLst/>
+                <a:latin typeface="Noto Serif KR"/>
+              </a:rPr>
+              <a:t>, </a:t>
+            </a:r>
+            <a:r>
+              <a:rPr lang="ko-KR" altLang="en-US" b="0" i="0" dirty="0">
+                <a:solidFill>
+                  <a:srgbClr val="555555"/>
+                </a:solidFill>
+                <a:effectLst/>
+                <a:latin typeface="Noto Serif KR"/>
+              </a:rPr>
+              <a:t>예측을 긍정으로 했는지 부정으로 했는지</a:t>
+            </a:r>
+            <a:r>
+              <a:rPr lang="en-US" altLang="ko-KR" b="0" i="0" dirty="0">
+                <a:solidFill>
+                  <a:srgbClr val="555555"/>
+                </a:solidFill>
+                <a:effectLst/>
+                <a:latin typeface="Noto Serif KR"/>
+              </a:rPr>
+              <a:t>, </a:t>
+            </a:r>
+            <a:r>
+              <a:rPr lang="ko-KR" altLang="en-US" b="0" i="0" dirty="0">
+                <a:solidFill>
+                  <a:srgbClr val="555555"/>
+                </a:solidFill>
+                <a:effectLst/>
+                <a:latin typeface="Noto Serif KR"/>
+              </a:rPr>
+              <a:t>즉 실제로 어떤 방향의 예측을 했는지에 관심을 두는 것이 아니라</a:t>
+            </a:r>
+            <a:r>
+              <a:rPr lang="en-US" altLang="ko-KR" b="0" i="0" dirty="0">
+                <a:solidFill>
+                  <a:srgbClr val="555555"/>
+                </a:solidFill>
+                <a:effectLst/>
+                <a:latin typeface="Noto Serif KR"/>
+              </a:rPr>
+              <a:t>, </a:t>
+            </a:r>
+            <a:r>
+              <a:rPr lang="ko-KR" altLang="en-US" b="0" i="0" dirty="0">
+                <a:solidFill>
+                  <a:srgbClr val="555555"/>
+                </a:solidFill>
+                <a:effectLst/>
+                <a:latin typeface="Noto Serif KR"/>
+              </a:rPr>
+              <a:t>만일 긍정적으로 예측하였다면 그러한 예측이 실제와 </a:t>
+            </a:r>
+            <a:r>
+              <a:rPr lang="en-US" altLang="ko-KR" b="0" i="0" dirty="0">
+                <a:solidFill>
+                  <a:srgbClr val="555555"/>
+                </a:solidFill>
+                <a:effectLst/>
+                <a:latin typeface="Noto Serif KR"/>
+              </a:rPr>
+              <a:t>'</a:t>
+            </a:r>
+            <a:r>
+              <a:rPr lang="ko-KR" altLang="en-US" b="0" i="0" dirty="0">
+                <a:solidFill>
+                  <a:srgbClr val="555555"/>
+                </a:solidFill>
+                <a:effectLst/>
+                <a:latin typeface="Noto Serif KR"/>
+              </a:rPr>
+              <a:t>일치하는지</a:t>
+            </a:r>
+            <a:r>
+              <a:rPr lang="en-US" altLang="ko-KR" b="0" i="0" dirty="0">
+                <a:solidFill>
+                  <a:srgbClr val="555555"/>
+                </a:solidFill>
+                <a:effectLst/>
+                <a:latin typeface="Noto Serif KR"/>
+              </a:rPr>
+              <a:t>'</a:t>
+            </a:r>
+            <a:r>
+              <a:rPr lang="ko-KR" altLang="en-US" b="0" i="0" dirty="0">
+                <a:solidFill>
+                  <a:srgbClr val="555555"/>
+                </a:solidFill>
+                <a:effectLst/>
+                <a:latin typeface="Noto Serif KR"/>
+              </a:rPr>
+              <a:t>에 관심을 갖는 지표입니다</a:t>
+            </a:r>
+            <a:r>
+              <a:rPr lang="en-US" altLang="ko-KR" b="0" i="0" dirty="0">
+                <a:solidFill>
+                  <a:srgbClr val="555555"/>
+                </a:solidFill>
+                <a:effectLst/>
+                <a:latin typeface="Noto Serif KR"/>
+              </a:rPr>
+              <a:t>. </a:t>
+            </a:r>
+            <a:endParaRPr lang="ko-KR" altLang="en-US" b="0" i="0" dirty="0">
+              <a:solidFill>
+                <a:srgbClr val="555555"/>
+              </a:solidFill>
+              <a:effectLst/>
+              <a:latin typeface="Spoqa Han Sans"/>
+            </a:endParaRPr>
+          </a:p>
+        </p:txBody>
+      </p:sp>
+      <p:sp>
+        <p:nvSpPr>
+          <p:cNvPr id="8" name="TextBox 7">
+            <a:extLst>
+              <a:ext uri="{FF2B5EF4-FFF2-40B4-BE49-F238E27FC236}">
+                <a16:creationId xmlns:a16="http://schemas.microsoft.com/office/drawing/2014/main" id="{24439ECF-7548-0B99-85EC-B65E7F199141}"/>
+              </a:ext>
+            </a:extLst>
+          </p:cNvPr>
+          <p:cNvSpPr txBox="1"/>
+          <p:nvPr/>
+        </p:nvSpPr>
+        <p:spPr>
+          <a:xfrm>
+            <a:off x="242179" y="4768439"/>
+            <a:ext cx="8496944" cy="1754326"/>
+          </a:xfrm>
+          <a:prstGeom prst="rect">
+            <a:avLst/>
+          </a:prstGeom>
+          <a:noFill/>
+        </p:spPr>
+        <p:txBody>
+          <a:bodyPr wrap="square">
+            <a:spAutoFit/>
+          </a:bodyPr>
+          <a:lstStyle/>
+          <a:p>
+            <a:pPr algn="l"/>
+            <a:r>
+              <a:rPr lang="en-US" altLang="ko-KR" b="0" i="0" dirty="0">
+                <a:solidFill>
+                  <a:srgbClr val="555555"/>
+                </a:solidFill>
+                <a:effectLst/>
+                <a:latin typeface="Noto Serif KR"/>
+              </a:rPr>
+              <a:t>[3] </a:t>
+            </a:r>
+            <a:r>
+              <a:rPr lang="ko-KR" altLang="en-US" b="1" i="0" dirty="0">
+                <a:solidFill>
+                  <a:srgbClr val="555555"/>
+                </a:solidFill>
+                <a:effectLst/>
+                <a:latin typeface="Noto Serif KR"/>
+              </a:rPr>
+              <a:t>민감도</a:t>
+            </a:r>
+            <a:r>
+              <a:rPr lang="en-US" altLang="ko-KR" b="1" i="0" dirty="0">
+                <a:solidFill>
+                  <a:srgbClr val="555555"/>
+                </a:solidFill>
+                <a:effectLst/>
+                <a:latin typeface="Noto Serif KR"/>
+              </a:rPr>
+              <a:t>(Sensitivity), </a:t>
+            </a:r>
+            <a:r>
+              <a:rPr lang="ko-KR" altLang="en-US" b="1" i="0" dirty="0" err="1">
+                <a:solidFill>
+                  <a:srgbClr val="555555"/>
+                </a:solidFill>
+                <a:effectLst/>
+                <a:latin typeface="Noto Serif KR"/>
+              </a:rPr>
+              <a:t>재현율</a:t>
+            </a:r>
+            <a:r>
+              <a:rPr lang="en-US" altLang="ko-KR" b="1" i="0" dirty="0">
+                <a:solidFill>
+                  <a:srgbClr val="555555"/>
+                </a:solidFill>
+                <a:effectLst/>
+                <a:latin typeface="Noto Serif KR"/>
+              </a:rPr>
+              <a:t>(Recall)</a:t>
+            </a:r>
+            <a:endParaRPr lang="ko-KR" altLang="en-US" b="0" i="0" dirty="0">
+              <a:solidFill>
+                <a:srgbClr val="555555"/>
+              </a:solidFill>
+              <a:effectLst/>
+              <a:latin typeface="Spoqa Han Sans"/>
+            </a:endParaRPr>
+          </a:p>
+          <a:p>
+            <a:pPr algn="l"/>
+            <a:r>
+              <a:rPr lang="ko-KR" altLang="en-US" b="0" i="0" dirty="0">
+                <a:solidFill>
+                  <a:srgbClr val="555555"/>
+                </a:solidFill>
+                <a:effectLst/>
+                <a:latin typeface="Noto Serif KR"/>
+              </a:rPr>
+              <a:t>민감도는 </a:t>
+            </a:r>
+            <a:r>
+              <a:rPr lang="en-US" altLang="ko-KR" b="0" i="0" dirty="0">
+                <a:solidFill>
+                  <a:srgbClr val="555555"/>
+                </a:solidFill>
+                <a:effectLst/>
+                <a:latin typeface="Noto Serif KR"/>
+              </a:rPr>
+              <a:t>TP/(TP+FN)</a:t>
+            </a:r>
+            <a:r>
+              <a:rPr lang="ko-KR" altLang="en-US" b="0" i="0" dirty="0">
+                <a:solidFill>
+                  <a:srgbClr val="555555"/>
+                </a:solidFill>
+                <a:effectLst/>
+                <a:latin typeface="Noto Serif KR"/>
+              </a:rPr>
+              <a:t>으로 나타냅니다</a:t>
+            </a:r>
+            <a:r>
+              <a:rPr lang="en-US" altLang="ko-KR" b="0" i="0" dirty="0">
+                <a:solidFill>
+                  <a:srgbClr val="555555"/>
+                </a:solidFill>
+                <a:effectLst/>
+                <a:latin typeface="Noto Serif KR"/>
+              </a:rPr>
+              <a:t>. </a:t>
+            </a:r>
+            <a:r>
+              <a:rPr lang="ko-KR" altLang="en-US" b="0" i="0" dirty="0">
+                <a:solidFill>
+                  <a:srgbClr val="555555"/>
+                </a:solidFill>
+                <a:effectLst/>
+                <a:latin typeface="Noto Serif KR"/>
+              </a:rPr>
+              <a:t>실제로 참일 때 참으로 예측했을 확률을 나타냅니다</a:t>
+            </a:r>
+            <a:r>
+              <a:rPr lang="en-US" altLang="ko-KR" b="0" i="0" dirty="0">
+                <a:solidFill>
+                  <a:srgbClr val="555555"/>
+                </a:solidFill>
+                <a:effectLst/>
+                <a:latin typeface="Noto Serif KR"/>
+              </a:rPr>
+              <a:t>. </a:t>
+            </a:r>
+            <a:r>
+              <a:rPr lang="ko-KR" altLang="en-US" b="0" i="0" dirty="0">
+                <a:solidFill>
+                  <a:srgbClr val="555555"/>
+                </a:solidFill>
+                <a:effectLst/>
+                <a:latin typeface="Noto Serif KR"/>
+              </a:rPr>
+              <a:t>이 지표는 정확도처럼 실제로 옳게 </a:t>
+            </a:r>
+            <a:r>
+              <a:rPr lang="ko-KR" altLang="en-US" b="0" i="0" dirty="0" err="1">
+                <a:solidFill>
+                  <a:srgbClr val="555555"/>
+                </a:solidFill>
+                <a:effectLst/>
+                <a:latin typeface="Noto Serif KR"/>
+              </a:rPr>
+              <a:t>예측했는지에만</a:t>
+            </a:r>
+            <a:r>
+              <a:rPr lang="ko-KR" altLang="en-US" b="0" i="0" dirty="0">
+                <a:solidFill>
+                  <a:srgbClr val="555555"/>
+                </a:solidFill>
+                <a:effectLst/>
+                <a:latin typeface="Noto Serif KR"/>
+              </a:rPr>
+              <a:t> 관심을 갖는 것이 아니라</a:t>
+            </a:r>
+            <a:r>
+              <a:rPr lang="en-US" altLang="ko-KR" b="0" i="0" dirty="0">
+                <a:solidFill>
+                  <a:srgbClr val="555555"/>
+                </a:solidFill>
+                <a:effectLst/>
+                <a:latin typeface="Noto Serif KR"/>
+              </a:rPr>
+              <a:t>, </a:t>
+            </a:r>
+            <a:r>
+              <a:rPr lang="ko-KR" altLang="en-US" b="0" i="0" dirty="0">
+                <a:solidFill>
+                  <a:srgbClr val="555555"/>
+                </a:solidFill>
+                <a:effectLst/>
+                <a:latin typeface="Noto Serif KR"/>
+              </a:rPr>
+              <a:t>실제로 참이었을 때 옳게 예측했는지를 계산하여 정확도보다는 개선된 지표로 볼 수 있지만</a:t>
+            </a:r>
+            <a:r>
+              <a:rPr lang="en-US" altLang="ko-KR" b="0" i="0" dirty="0">
+                <a:solidFill>
+                  <a:srgbClr val="555555"/>
+                </a:solidFill>
+                <a:effectLst/>
+                <a:latin typeface="Noto Serif KR"/>
+              </a:rPr>
+              <a:t>, </a:t>
+            </a:r>
+            <a:r>
+              <a:rPr lang="ko-KR" altLang="en-US" b="0" i="0" dirty="0">
+                <a:solidFill>
+                  <a:srgbClr val="555555"/>
+                </a:solidFill>
+                <a:effectLst/>
+                <a:latin typeface="Noto Serif KR"/>
+              </a:rPr>
+              <a:t>여전히 모델이 우연히 찍어서 높은 재현율을 나타낼 수 있다는 한계를 갖습니다</a:t>
+            </a:r>
+            <a:r>
+              <a:rPr lang="en-US" altLang="ko-KR" b="0" i="0" dirty="0">
+                <a:solidFill>
+                  <a:srgbClr val="555555"/>
+                </a:solidFill>
+                <a:effectLst/>
+                <a:latin typeface="Noto Serif KR"/>
+              </a:rPr>
+              <a:t>.</a:t>
+            </a:r>
+            <a:endParaRPr lang="ko-KR" altLang="en-US" b="0" i="0" dirty="0">
+              <a:solidFill>
+                <a:srgbClr val="555555"/>
+              </a:solidFill>
+              <a:effectLst/>
+              <a:latin typeface="Spoqa Han Sans"/>
+            </a:endParaRPr>
+          </a:p>
+        </p:txBody>
+      </p:sp>
+    </p:spTree>
+    <p:extLst>
+      <p:ext uri="{BB962C8B-B14F-4D97-AF65-F5344CB8AC3E}">
+        <p14:creationId xmlns:p14="http://schemas.microsoft.com/office/powerpoint/2010/main" val="1355198637"/>
+      </p:ext>
+    </p:extLst>
+  </p:cSld>
+  <p:clrMapOvr>
+    <a:masterClrMapping/>
+  </p:clrMapOvr>
+  <p:transition>
+    <p:fade/>
+  </p:transition>
+</p:sld>
+</file>
+
+<file path=ppt/slides/slide24.xml><?xml version="1.0" encoding="utf-8"?>
+<p:sld xmlns:a="http://schemas.openxmlformats.org/drawingml/2006/main" xmlns:r="http://schemas.openxmlformats.org/officeDocument/2006/relationships" xmlns:p="http://schemas.openxmlformats.org/presentationml/2006/main">
+  <p:cSld>
+    <p:spTree>
+      <p:nvGrpSpPr>
+        <p:cNvPr id="1" name=""/>
+        <p:cNvGrpSpPr/>
+        <p:nvPr/>
+      </p:nvGrpSpPr>
+      <p:grpSpPr>
+        <a:xfrm>
+          <a:off x="0" y="0"/>
+          <a:ext cx="0" cy="0"/>
+          <a:chOff x="0" y="0"/>
+          <a:chExt cx="0" cy="0"/>
+        </a:xfrm>
+      </p:grpSpPr>
+      <p:sp>
+        <p:nvSpPr>
+          <p:cNvPr id="3107" name="Rectangle 203"/>
+          <p:cNvSpPr>
+            <a:spLocks noChangeArrowheads="1"/>
+          </p:cNvSpPr>
+          <p:nvPr/>
+        </p:nvSpPr>
+        <p:spPr bwMode="auto">
+          <a:xfrm>
+            <a:off x="2124075" y="111125"/>
+            <a:ext cx="5040313" cy="457200"/>
+          </a:xfrm>
+          <a:prstGeom prst="rect">
+            <a:avLst/>
+          </a:prstGeom>
+          <a:noFill/>
+          <a:ln w="9525">
+            <a:noFill/>
+            <a:miter lim="800000"/>
+            <a:headEnd/>
+            <a:tailEnd/>
+          </a:ln>
+        </p:spPr>
+        <p:txBody>
+          <a:bodyPr>
+            <a:spAutoFit/>
+          </a:bodyPr>
+          <a:lstStyle/>
+          <a:p>
+            <a:pPr algn="ctr"/>
+            <a:r>
+              <a:rPr lang="en-US" altLang="ko-KR" sz="2400" b="1" dirty="0">
+                <a:solidFill>
+                  <a:schemeClr val="bg1"/>
+                </a:solidFill>
+                <a:latin typeface="HY헤드라인M" pitchFamily="18" charset="-127"/>
+                <a:ea typeface="HY헤드라인M" pitchFamily="18" charset="-127"/>
+              </a:rPr>
+              <a:t>Appendix</a:t>
+            </a:r>
+            <a:endParaRPr lang="ko-KR" altLang="en-US" sz="2400" b="1" dirty="0">
+              <a:solidFill>
+                <a:schemeClr val="bg1"/>
+              </a:solidFill>
+              <a:latin typeface="HY헤드라인M" pitchFamily="18" charset="-127"/>
+              <a:ea typeface="HY헤드라인M" pitchFamily="18" charset="-127"/>
+            </a:endParaRPr>
+          </a:p>
+        </p:txBody>
+      </p:sp>
+      <p:sp>
+        <p:nvSpPr>
+          <p:cNvPr id="3" name="TextBox 2">
+            <a:extLst>
+              <a:ext uri="{FF2B5EF4-FFF2-40B4-BE49-F238E27FC236}">
+                <a16:creationId xmlns:a16="http://schemas.microsoft.com/office/drawing/2014/main" id="{FEA78BBE-31E1-86A5-C2E7-BA11F25B5CF4}"/>
+              </a:ext>
+            </a:extLst>
+          </p:cNvPr>
+          <p:cNvSpPr txBox="1"/>
+          <p:nvPr/>
+        </p:nvSpPr>
+        <p:spPr>
+          <a:xfrm>
+            <a:off x="179512" y="1010794"/>
+            <a:ext cx="8964488" cy="1200329"/>
+          </a:xfrm>
+          <a:prstGeom prst="rect">
+            <a:avLst/>
+          </a:prstGeom>
+          <a:noFill/>
+        </p:spPr>
+        <p:txBody>
+          <a:bodyPr wrap="square">
+            <a:spAutoFit/>
+          </a:bodyPr>
+          <a:lstStyle/>
+          <a:p>
+            <a:pPr algn="l"/>
+            <a:r>
+              <a:rPr lang="en-US" altLang="ko-KR" b="0" i="0" dirty="0">
+                <a:solidFill>
+                  <a:srgbClr val="555555"/>
+                </a:solidFill>
+                <a:effectLst/>
+                <a:latin typeface="Noto Serif KR"/>
+              </a:rPr>
+              <a:t>[4] </a:t>
+            </a:r>
+            <a:r>
+              <a:rPr lang="ko-KR" altLang="en-US" b="1" i="0" dirty="0">
+                <a:solidFill>
+                  <a:srgbClr val="555555"/>
+                </a:solidFill>
+                <a:effectLst/>
+                <a:latin typeface="Noto Serif KR"/>
+              </a:rPr>
+              <a:t>특이도</a:t>
+            </a:r>
+            <a:r>
+              <a:rPr lang="en-US" altLang="ko-KR" b="1" i="0" dirty="0">
+                <a:solidFill>
+                  <a:srgbClr val="555555"/>
+                </a:solidFill>
+                <a:effectLst/>
+                <a:latin typeface="Noto Serif KR"/>
+              </a:rPr>
+              <a:t>(Specificity)</a:t>
+            </a:r>
+            <a:endParaRPr lang="ko-KR" altLang="en-US" b="0" i="0" dirty="0">
+              <a:solidFill>
+                <a:srgbClr val="555555"/>
+              </a:solidFill>
+              <a:effectLst/>
+              <a:latin typeface="Spoqa Han Sans"/>
+            </a:endParaRPr>
+          </a:p>
+          <a:p>
+            <a:pPr algn="l"/>
+            <a:r>
+              <a:rPr lang="ko-KR" altLang="en-US" b="0" i="0" dirty="0">
+                <a:solidFill>
+                  <a:srgbClr val="555555"/>
+                </a:solidFill>
+                <a:effectLst/>
+                <a:latin typeface="Noto Serif KR"/>
+              </a:rPr>
+              <a:t>특이도는 실제로 거짓일 때 거짓으로 예측했을 확률을 뜻합니다</a:t>
+            </a:r>
+            <a:r>
+              <a:rPr lang="en-US" altLang="ko-KR" b="0" i="0" dirty="0">
+                <a:solidFill>
+                  <a:srgbClr val="555555"/>
+                </a:solidFill>
+                <a:effectLst/>
+                <a:latin typeface="Noto Serif KR"/>
+              </a:rPr>
+              <a:t>. </a:t>
+            </a:r>
+            <a:r>
+              <a:rPr lang="ko-KR" altLang="en-US" b="0" i="0" dirty="0">
+                <a:solidFill>
+                  <a:srgbClr val="555555"/>
+                </a:solidFill>
+                <a:effectLst/>
+                <a:latin typeface="Noto Serif KR"/>
+              </a:rPr>
+              <a:t>민감도와 대칭을 이루는 지표로 볼 수 있습니다</a:t>
+            </a:r>
+            <a:r>
+              <a:rPr lang="en-US" altLang="ko-KR" b="0" i="0" dirty="0">
+                <a:solidFill>
+                  <a:srgbClr val="555555"/>
+                </a:solidFill>
+                <a:effectLst/>
+                <a:latin typeface="Noto Serif KR"/>
+              </a:rPr>
+              <a:t>. </a:t>
+            </a:r>
+            <a:r>
+              <a:rPr lang="ko-KR" altLang="en-US" b="0" i="0" dirty="0">
+                <a:solidFill>
+                  <a:srgbClr val="555555"/>
+                </a:solidFill>
+                <a:effectLst/>
+                <a:latin typeface="Noto Serif KR"/>
+              </a:rPr>
+              <a:t>민감도와 마찬가지로 우연히 찍어서 특이도가 높게 나올 수 있습니다</a:t>
+            </a:r>
+            <a:r>
+              <a:rPr lang="en-US" altLang="ko-KR" b="0" i="0" dirty="0">
+                <a:solidFill>
+                  <a:srgbClr val="555555"/>
+                </a:solidFill>
+                <a:effectLst/>
+                <a:latin typeface="Noto Serif KR"/>
+              </a:rPr>
+              <a:t>.</a:t>
+            </a:r>
+            <a:endParaRPr lang="ko-KR" altLang="en-US" b="0" i="0" dirty="0">
+              <a:solidFill>
+                <a:srgbClr val="555555"/>
+              </a:solidFill>
+              <a:effectLst/>
+              <a:latin typeface="Spoqa Han Sans"/>
+            </a:endParaRPr>
+          </a:p>
+        </p:txBody>
+      </p:sp>
+      <p:sp>
+        <p:nvSpPr>
+          <p:cNvPr id="7" name="TextBox 6">
+            <a:extLst>
+              <a:ext uri="{FF2B5EF4-FFF2-40B4-BE49-F238E27FC236}">
+                <a16:creationId xmlns:a16="http://schemas.microsoft.com/office/drawing/2014/main" id="{DBC34289-C76B-7F75-46A1-1F4A1952ADB0}"/>
+              </a:ext>
+            </a:extLst>
+          </p:cNvPr>
+          <p:cNvSpPr txBox="1"/>
+          <p:nvPr/>
+        </p:nvSpPr>
+        <p:spPr>
+          <a:xfrm>
+            <a:off x="179512" y="2273414"/>
+            <a:ext cx="8784976" cy="2862322"/>
+          </a:xfrm>
+          <a:prstGeom prst="rect">
+            <a:avLst/>
+          </a:prstGeom>
+          <a:noFill/>
+        </p:spPr>
+        <p:txBody>
+          <a:bodyPr wrap="square">
+            <a:spAutoFit/>
+          </a:bodyPr>
+          <a:lstStyle/>
+          <a:p>
+            <a:pPr algn="l"/>
+            <a:r>
+              <a:rPr lang="en-US" altLang="ko-KR" b="0" i="0" dirty="0">
+                <a:solidFill>
+                  <a:srgbClr val="555555"/>
+                </a:solidFill>
+                <a:effectLst/>
+                <a:latin typeface="Noto Serif KR"/>
+              </a:rPr>
+              <a:t>[5] </a:t>
+            </a:r>
+            <a:r>
+              <a:rPr lang="en-US" altLang="ko-KR" b="1" i="0" dirty="0">
+                <a:solidFill>
+                  <a:srgbClr val="555555"/>
+                </a:solidFill>
+                <a:effectLst/>
+                <a:latin typeface="Noto Serif KR"/>
+              </a:rPr>
+              <a:t>ROC </a:t>
+            </a:r>
+            <a:r>
+              <a:rPr lang="ko-KR" altLang="en-US" b="1" i="0" dirty="0">
+                <a:solidFill>
+                  <a:srgbClr val="555555"/>
+                </a:solidFill>
+                <a:effectLst/>
+                <a:latin typeface="Noto Serif KR"/>
+              </a:rPr>
+              <a:t>커브</a:t>
+            </a:r>
+            <a:endParaRPr lang="ko-KR" altLang="en-US" b="0" i="0" dirty="0">
+              <a:solidFill>
+                <a:srgbClr val="555555"/>
+              </a:solidFill>
+              <a:effectLst/>
+              <a:latin typeface="Spoqa Han Sans"/>
+            </a:endParaRPr>
+          </a:p>
+          <a:p>
+            <a:pPr algn="l"/>
+            <a:r>
+              <a:rPr lang="en-US" altLang="ko-KR" b="0" i="0" dirty="0">
+                <a:solidFill>
+                  <a:srgbClr val="555555"/>
+                </a:solidFill>
+                <a:effectLst/>
+                <a:latin typeface="Noto Serif KR"/>
+              </a:rPr>
+              <a:t>ROC </a:t>
+            </a:r>
+            <a:r>
+              <a:rPr lang="ko-KR" altLang="en-US" b="0" i="0" dirty="0">
+                <a:solidFill>
+                  <a:srgbClr val="555555"/>
+                </a:solidFill>
+                <a:effectLst/>
+                <a:latin typeface="Noto Serif KR"/>
+              </a:rPr>
+              <a:t>커브의 </a:t>
+            </a:r>
+            <a:r>
+              <a:rPr lang="en-US" altLang="ko-KR" b="0" i="0" dirty="0">
+                <a:solidFill>
+                  <a:srgbClr val="555555"/>
+                </a:solidFill>
+                <a:effectLst/>
+                <a:latin typeface="Noto Serif KR"/>
+              </a:rPr>
+              <a:t>x</a:t>
+            </a:r>
+            <a:r>
+              <a:rPr lang="ko-KR" altLang="en-US" b="0" i="0" dirty="0">
+                <a:solidFill>
+                  <a:srgbClr val="555555"/>
+                </a:solidFill>
+                <a:effectLst/>
+                <a:latin typeface="Noto Serif KR"/>
+              </a:rPr>
+              <a:t>축은 </a:t>
+            </a:r>
+            <a:r>
+              <a:rPr lang="en-US" altLang="ko-KR" b="0" i="0" dirty="0">
+                <a:solidFill>
+                  <a:srgbClr val="555555"/>
+                </a:solidFill>
+                <a:effectLst/>
+                <a:latin typeface="Noto Serif KR"/>
+              </a:rPr>
+              <a:t>FPR(False Positive Rate) </a:t>
+            </a:r>
+            <a:r>
+              <a:rPr lang="ko-KR" altLang="en-US" b="0" i="0" dirty="0">
+                <a:solidFill>
+                  <a:srgbClr val="555555"/>
+                </a:solidFill>
+                <a:effectLst/>
+                <a:latin typeface="Noto Serif KR"/>
+              </a:rPr>
+              <a:t>즉</a:t>
+            </a:r>
+            <a:r>
+              <a:rPr lang="en-US" altLang="ko-KR" b="0" i="0" dirty="0">
+                <a:solidFill>
+                  <a:srgbClr val="555555"/>
+                </a:solidFill>
+                <a:effectLst/>
+                <a:latin typeface="Noto Serif KR"/>
+              </a:rPr>
+              <a:t>, 1 - </a:t>
+            </a:r>
+            <a:r>
+              <a:rPr lang="ko-KR" altLang="en-US" b="0" i="0" dirty="0">
+                <a:solidFill>
+                  <a:srgbClr val="555555"/>
+                </a:solidFill>
+                <a:effectLst/>
+                <a:latin typeface="Noto Serif KR"/>
+              </a:rPr>
+              <a:t>특이도로 되어 있고</a:t>
+            </a:r>
+            <a:r>
+              <a:rPr lang="en-US" altLang="ko-KR" b="0" i="0" dirty="0">
+                <a:solidFill>
+                  <a:srgbClr val="555555"/>
+                </a:solidFill>
+                <a:effectLst/>
+                <a:latin typeface="Noto Serif KR"/>
+              </a:rPr>
+              <a:t>, y</a:t>
+            </a:r>
+            <a:r>
+              <a:rPr lang="ko-KR" altLang="en-US" b="0" i="0" dirty="0">
+                <a:solidFill>
+                  <a:srgbClr val="555555"/>
+                </a:solidFill>
+                <a:effectLst/>
+                <a:latin typeface="Noto Serif KR"/>
+              </a:rPr>
+              <a:t>축은 민감도</a:t>
+            </a:r>
+            <a:r>
+              <a:rPr lang="en-US" altLang="ko-KR" b="0" i="0" dirty="0">
+                <a:solidFill>
+                  <a:srgbClr val="555555"/>
+                </a:solidFill>
+                <a:effectLst/>
+                <a:latin typeface="Noto Serif KR"/>
+              </a:rPr>
+              <a:t>(Sensitivity)</a:t>
+            </a:r>
+            <a:r>
+              <a:rPr lang="ko-KR" altLang="en-US" b="0" i="0" dirty="0">
+                <a:solidFill>
+                  <a:srgbClr val="555555"/>
+                </a:solidFill>
+                <a:effectLst/>
+                <a:latin typeface="Noto Serif KR"/>
+              </a:rPr>
+              <a:t>로 되어 있습니다</a:t>
+            </a:r>
+            <a:r>
+              <a:rPr lang="en-US" altLang="ko-KR" b="0" i="0" dirty="0">
+                <a:solidFill>
+                  <a:srgbClr val="555555"/>
+                </a:solidFill>
+                <a:effectLst/>
+                <a:latin typeface="Noto Serif KR"/>
+              </a:rPr>
+              <a:t>.</a:t>
+            </a:r>
+            <a:endParaRPr lang="ko-KR" altLang="en-US" b="0" i="0" dirty="0">
+              <a:solidFill>
+                <a:srgbClr val="555555"/>
+              </a:solidFill>
+              <a:effectLst/>
+              <a:latin typeface="Spoqa Han Sans"/>
+            </a:endParaRPr>
+          </a:p>
+          <a:p>
+            <a:pPr algn="l"/>
+            <a:r>
+              <a:rPr lang="ko-KR" altLang="en-US" b="0" i="0" dirty="0">
+                <a:solidFill>
+                  <a:srgbClr val="555555"/>
+                </a:solidFill>
+                <a:effectLst/>
+                <a:latin typeface="Noto Serif KR"/>
+              </a:rPr>
+              <a:t>특이도가 </a:t>
+            </a:r>
+            <a:r>
+              <a:rPr lang="en-US" altLang="ko-KR" b="0" i="0" dirty="0">
+                <a:solidFill>
+                  <a:srgbClr val="555555"/>
+                </a:solidFill>
+                <a:effectLst/>
+                <a:latin typeface="Noto Serif KR"/>
+              </a:rPr>
+              <a:t>'</a:t>
+            </a:r>
+            <a:r>
+              <a:rPr lang="ko-KR" altLang="en-US" b="0" i="0" dirty="0">
+                <a:solidFill>
+                  <a:srgbClr val="555555"/>
+                </a:solidFill>
+                <a:effectLst/>
+                <a:latin typeface="Noto Serif KR"/>
+              </a:rPr>
+              <a:t>실제 거짓일 때 거짓이라 판단할 확률</a:t>
+            </a:r>
+            <a:r>
+              <a:rPr lang="en-US" altLang="ko-KR" b="0" i="0" dirty="0">
+                <a:solidFill>
+                  <a:srgbClr val="555555"/>
+                </a:solidFill>
+                <a:effectLst/>
+                <a:latin typeface="Noto Serif KR"/>
+              </a:rPr>
+              <a:t>'</a:t>
+            </a:r>
+            <a:r>
+              <a:rPr lang="ko-KR" altLang="en-US" b="0" i="0" dirty="0">
+                <a:solidFill>
+                  <a:srgbClr val="555555"/>
+                </a:solidFill>
+                <a:effectLst/>
+                <a:latin typeface="Noto Serif KR"/>
+              </a:rPr>
+              <a:t>을 뜻하므로</a:t>
+            </a:r>
+            <a:r>
+              <a:rPr lang="en-US" altLang="ko-KR" b="0" i="0" dirty="0">
+                <a:solidFill>
+                  <a:srgbClr val="555555"/>
+                </a:solidFill>
+                <a:effectLst/>
+                <a:latin typeface="Noto Serif KR"/>
+              </a:rPr>
+              <a:t>, 1 - </a:t>
+            </a:r>
+            <a:r>
+              <a:rPr lang="ko-KR" altLang="en-US" b="0" i="0" dirty="0">
+                <a:solidFill>
+                  <a:srgbClr val="555555"/>
+                </a:solidFill>
+                <a:effectLst/>
+                <a:latin typeface="Noto Serif KR"/>
+              </a:rPr>
+              <a:t>특이도인 </a:t>
+            </a:r>
+            <a:r>
+              <a:rPr lang="en-US" altLang="ko-KR" b="0" i="0" dirty="0">
+                <a:solidFill>
+                  <a:srgbClr val="555555"/>
+                </a:solidFill>
+                <a:effectLst/>
+                <a:latin typeface="Noto Serif KR"/>
+              </a:rPr>
+              <a:t>FPR</a:t>
+            </a:r>
+            <a:r>
+              <a:rPr lang="ko-KR" altLang="en-US" b="0" i="0" dirty="0">
+                <a:solidFill>
+                  <a:srgbClr val="555555"/>
+                </a:solidFill>
+                <a:effectLst/>
+                <a:latin typeface="Noto Serif KR"/>
+              </a:rPr>
+              <a:t>은 </a:t>
+            </a:r>
+            <a:r>
+              <a:rPr lang="en-US" altLang="ko-KR" b="0" i="0" dirty="0">
+                <a:solidFill>
+                  <a:srgbClr val="555555"/>
+                </a:solidFill>
+                <a:effectLst/>
+                <a:latin typeface="Noto Serif KR"/>
+              </a:rPr>
+              <a:t>'</a:t>
+            </a:r>
+            <a:r>
+              <a:rPr lang="ko-KR" altLang="en-US" b="0" i="0" dirty="0">
+                <a:solidFill>
+                  <a:srgbClr val="555555"/>
+                </a:solidFill>
+                <a:effectLst/>
+                <a:latin typeface="Noto Serif KR"/>
+              </a:rPr>
+              <a:t>실제 거짓일 때 참이라 판단할 확률</a:t>
+            </a:r>
+            <a:r>
+              <a:rPr lang="en-US" altLang="ko-KR" b="0" i="0" dirty="0">
+                <a:solidFill>
+                  <a:srgbClr val="555555"/>
+                </a:solidFill>
+                <a:effectLst/>
+                <a:latin typeface="Noto Serif KR"/>
+              </a:rPr>
+              <a:t>'</a:t>
+            </a:r>
+            <a:r>
+              <a:rPr lang="ko-KR" altLang="en-US" b="0" i="0" dirty="0">
+                <a:solidFill>
+                  <a:srgbClr val="555555"/>
+                </a:solidFill>
+                <a:effectLst/>
+                <a:latin typeface="Noto Serif KR"/>
+              </a:rPr>
+              <a:t>을 가리킵니다</a:t>
+            </a:r>
+            <a:r>
+              <a:rPr lang="en-US" altLang="ko-KR" b="0" i="0" dirty="0">
+                <a:solidFill>
+                  <a:srgbClr val="555555"/>
+                </a:solidFill>
+                <a:effectLst/>
+                <a:latin typeface="Noto Serif KR"/>
+              </a:rPr>
+              <a:t>. y</a:t>
+            </a:r>
+            <a:r>
+              <a:rPr lang="ko-KR" altLang="en-US" b="0" i="0" dirty="0">
+                <a:solidFill>
+                  <a:srgbClr val="555555"/>
+                </a:solidFill>
+                <a:effectLst/>
+                <a:latin typeface="Noto Serif KR"/>
+              </a:rPr>
+              <a:t>축은 민감도이므로 실제 참일 때 참으로 예측할 확률입니다</a:t>
+            </a:r>
+            <a:r>
+              <a:rPr lang="en-US" altLang="ko-KR" b="0" i="0" dirty="0">
+                <a:solidFill>
+                  <a:srgbClr val="555555"/>
+                </a:solidFill>
+                <a:effectLst/>
+                <a:latin typeface="Noto Serif KR"/>
+              </a:rPr>
+              <a:t>. </a:t>
+            </a:r>
+            <a:r>
+              <a:rPr lang="ko-KR" altLang="en-US" b="0" i="0" dirty="0">
+                <a:solidFill>
+                  <a:srgbClr val="555555"/>
+                </a:solidFill>
+                <a:effectLst/>
+                <a:latin typeface="Noto Serif KR"/>
+              </a:rPr>
+              <a:t>곡선 위의 면적이 작을수록 민감도</a:t>
+            </a:r>
+            <a:r>
+              <a:rPr lang="en-US" altLang="ko-KR" b="0" i="0" dirty="0">
+                <a:solidFill>
+                  <a:srgbClr val="555555"/>
+                </a:solidFill>
+                <a:effectLst/>
+                <a:latin typeface="Noto Serif KR"/>
+              </a:rPr>
+              <a:t>(TPR)</a:t>
+            </a:r>
+            <a:r>
+              <a:rPr lang="ko-KR" altLang="en-US" b="0" i="0" dirty="0">
+                <a:solidFill>
+                  <a:srgbClr val="555555"/>
+                </a:solidFill>
+                <a:effectLst/>
+                <a:latin typeface="Noto Serif KR"/>
+              </a:rPr>
+              <a:t>는 </a:t>
+            </a:r>
+            <a:r>
+              <a:rPr lang="en-US" altLang="ko-KR" b="0" i="0" dirty="0">
+                <a:solidFill>
+                  <a:srgbClr val="555555"/>
+                </a:solidFill>
+                <a:effectLst/>
+                <a:latin typeface="Noto Serif KR"/>
+              </a:rPr>
+              <a:t>1</a:t>
+            </a:r>
+            <a:r>
+              <a:rPr lang="ko-KR" altLang="en-US" b="0" i="0" dirty="0">
+                <a:solidFill>
+                  <a:srgbClr val="555555"/>
+                </a:solidFill>
+                <a:effectLst/>
+                <a:latin typeface="Noto Serif KR"/>
+              </a:rPr>
+              <a:t>에 가까워지고</a:t>
+            </a:r>
+            <a:r>
+              <a:rPr lang="en-US" altLang="ko-KR" b="0" i="0" dirty="0">
+                <a:solidFill>
+                  <a:srgbClr val="555555"/>
+                </a:solidFill>
+                <a:effectLst/>
+                <a:latin typeface="Noto Serif KR"/>
+              </a:rPr>
+              <a:t>, FPR</a:t>
+            </a:r>
+            <a:r>
+              <a:rPr lang="ko-KR" altLang="en-US" b="0" i="0" dirty="0">
+                <a:solidFill>
+                  <a:srgbClr val="555555"/>
+                </a:solidFill>
+                <a:effectLst/>
+                <a:latin typeface="Noto Serif KR"/>
+              </a:rPr>
+              <a:t>은 </a:t>
+            </a:r>
+            <a:r>
+              <a:rPr lang="en-US" altLang="ko-KR" b="0" i="0" dirty="0">
+                <a:solidFill>
+                  <a:srgbClr val="555555"/>
+                </a:solidFill>
+                <a:effectLst/>
+                <a:latin typeface="Noto Serif KR"/>
+              </a:rPr>
+              <a:t>0</a:t>
+            </a:r>
+            <a:r>
+              <a:rPr lang="ko-KR" altLang="en-US" b="0" i="0" dirty="0">
+                <a:solidFill>
+                  <a:srgbClr val="555555"/>
+                </a:solidFill>
+                <a:effectLst/>
+                <a:latin typeface="Noto Serif KR"/>
+              </a:rPr>
+              <a:t>에 가까워지므로</a:t>
+            </a:r>
+            <a:r>
+              <a:rPr lang="en-US" altLang="ko-KR" b="0" i="0" dirty="0">
+                <a:solidFill>
+                  <a:srgbClr val="555555"/>
+                </a:solidFill>
+                <a:effectLst/>
+                <a:latin typeface="Noto Serif KR"/>
+              </a:rPr>
+              <a:t>, </a:t>
+            </a:r>
+            <a:r>
+              <a:rPr lang="ko-KR" altLang="en-US" b="0" i="0" u="sng" dirty="0">
+                <a:solidFill>
+                  <a:srgbClr val="EF6F53"/>
+                </a:solidFill>
+                <a:effectLst/>
+                <a:latin typeface="Noto Serif KR"/>
+              </a:rPr>
+              <a:t>실제로 참일 때 참으로 판단하고</a:t>
+            </a:r>
+            <a:r>
+              <a:rPr lang="en-US" altLang="ko-KR" b="0" i="0" u="sng" dirty="0">
+                <a:solidFill>
+                  <a:srgbClr val="EF6F53"/>
+                </a:solidFill>
+                <a:effectLst/>
+                <a:latin typeface="Noto Serif KR"/>
+              </a:rPr>
+              <a:t>, </a:t>
+            </a:r>
+            <a:r>
+              <a:rPr lang="ko-KR" altLang="en-US" b="0" i="0" u="sng" dirty="0">
+                <a:solidFill>
+                  <a:srgbClr val="EF6F53"/>
+                </a:solidFill>
+                <a:effectLst/>
+                <a:latin typeface="Noto Serif KR"/>
+              </a:rPr>
+              <a:t>실제로 거짓일 때 거짓이라 판단</a:t>
+            </a:r>
+            <a:r>
+              <a:rPr lang="ko-KR" altLang="en-US" b="0" i="0" dirty="0">
+                <a:solidFill>
+                  <a:srgbClr val="555555"/>
+                </a:solidFill>
+                <a:effectLst/>
+                <a:latin typeface="Noto Serif KR"/>
+              </a:rPr>
+              <a:t>할 가능성이 커지게 됩니다</a:t>
+            </a:r>
+            <a:r>
+              <a:rPr lang="en-US" altLang="ko-KR" b="0" i="0" dirty="0">
+                <a:solidFill>
+                  <a:srgbClr val="555555"/>
+                </a:solidFill>
+                <a:effectLst/>
+                <a:latin typeface="Noto Serif KR"/>
+              </a:rPr>
+              <a:t>. </a:t>
+            </a:r>
+            <a:r>
+              <a:rPr lang="ko-KR" altLang="en-US" b="0" i="0" dirty="0">
+                <a:solidFill>
+                  <a:srgbClr val="555555"/>
+                </a:solidFill>
+                <a:effectLst/>
+                <a:latin typeface="Noto Serif KR"/>
+              </a:rPr>
+              <a:t>따라서 예측력이 높아진다고 말할 수 있습니다</a:t>
+            </a:r>
+            <a:r>
+              <a:rPr lang="en-US" altLang="ko-KR" b="0" i="0" dirty="0">
+                <a:solidFill>
+                  <a:srgbClr val="555555"/>
+                </a:solidFill>
+                <a:effectLst/>
+                <a:latin typeface="Noto Serif KR"/>
+              </a:rPr>
+              <a:t>.</a:t>
+            </a:r>
+          </a:p>
+          <a:p>
+            <a:pPr algn="l"/>
+            <a:r>
+              <a:rPr lang="ko-KR" altLang="en-US" b="0" i="0" u="sng" dirty="0">
+                <a:solidFill>
+                  <a:srgbClr val="EF6F53"/>
+                </a:solidFill>
+                <a:effectLst/>
+                <a:latin typeface="Noto Serif KR"/>
+              </a:rPr>
+              <a:t>정리하면</a:t>
+            </a:r>
+            <a:r>
+              <a:rPr lang="en-US" altLang="ko-KR" b="0" i="0" u="sng" dirty="0">
+                <a:solidFill>
+                  <a:srgbClr val="EF6F53"/>
+                </a:solidFill>
+                <a:effectLst/>
+                <a:latin typeface="Noto Serif KR"/>
+              </a:rPr>
+              <a:t>, ROC </a:t>
+            </a:r>
+            <a:r>
+              <a:rPr lang="ko-KR" altLang="en-US" b="0" i="0" u="sng" dirty="0">
+                <a:solidFill>
+                  <a:srgbClr val="EF6F53"/>
+                </a:solidFill>
+                <a:effectLst/>
+                <a:latin typeface="Noto Serif KR"/>
+              </a:rPr>
+              <a:t>커브는 민감도와 특이도의 공통적인 문제점</a:t>
+            </a:r>
+            <a:r>
+              <a:rPr lang="en-US" altLang="ko-KR" b="0" i="0" u="sng" dirty="0">
+                <a:solidFill>
+                  <a:srgbClr val="EF6F53"/>
+                </a:solidFill>
+                <a:effectLst/>
+                <a:latin typeface="Noto Serif KR"/>
+              </a:rPr>
+              <a:t>, </a:t>
+            </a:r>
+            <a:r>
+              <a:rPr lang="ko-KR" altLang="en-US" b="0" i="0" u="sng" dirty="0">
+                <a:solidFill>
+                  <a:srgbClr val="EF6F53"/>
+                </a:solidFill>
+                <a:effectLst/>
+                <a:latin typeface="Noto Serif KR"/>
+              </a:rPr>
+              <a:t>한 쪽으로 찍어서 높은 점수를 맞을 수 있다는 문제점을 크게 보완한 지표로 볼 수 있습니다</a:t>
+            </a:r>
+            <a:r>
+              <a:rPr lang="en-US" altLang="ko-KR" b="0" i="0" u="sng" dirty="0">
+                <a:solidFill>
+                  <a:srgbClr val="EF6F53"/>
+                </a:solidFill>
+                <a:effectLst/>
+                <a:latin typeface="Noto Serif KR"/>
+              </a:rPr>
+              <a:t>.</a:t>
+            </a:r>
+            <a:r>
+              <a:rPr lang="ko-KR" altLang="en-US" b="0" i="0" dirty="0">
+                <a:solidFill>
+                  <a:srgbClr val="555555"/>
+                </a:solidFill>
+                <a:effectLst/>
+                <a:latin typeface="Noto Serif KR"/>
+              </a:rPr>
+              <a:t> </a:t>
+            </a:r>
+            <a:r>
+              <a:rPr lang="en-US" altLang="ko-KR" b="0" i="0" dirty="0">
+                <a:solidFill>
+                  <a:srgbClr val="555555"/>
+                </a:solidFill>
+                <a:effectLst/>
+                <a:latin typeface="Noto Serif KR"/>
+              </a:rPr>
+              <a:t> </a:t>
+            </a:r>
+            <a:endParaRPr lang="ko-KR" altLang="en-US" b="0" i="0" dirty="0">
+              <a:solidFill>
+                <a:srgbClr val="555555"/>
+              </a:solidFill>
+              <a:effectLst/>
+              <a:latin typeface="Spoqa Han Sans"/>
+            </a:endParaRPr>
+          </a:p>
+        </p:txBody>
+      </p:sp>
+      <p:sp>
+        <p:nvSpPr>
+          <p:cNvPr id="10" name="TextBox 9">
+            <a:extLst>
+              <a:ext uri="{FF2B5EF4-FFF2-40B4-BE49-F238E27FC236}">
+                <a16:creationId xmlns:a16="http://schemas.microsoft.com/office/drawing/2014/main" id="{2D6B8A2A-08B8-182F-A379-B0C92CE26FBB}"/>
+              </a:ext>
+            </a:extLst>
+          </p:cNvPr>
+          <p:cNvSpPr txBox="1"/>
+          <p:nvPr/>
+        </p:nvSpPr>
+        <p:spPr>
+          <a:xfrm>
+            <a:off x="179512" y="5198027"/>
+            <a:ext cx="8784976" cy="1477328"/>
+          </a:xfrm>
+          <a:prstGeom prst="rect">
+            <a:avLst/>
+          </a:prstGeom>
+          <a:noFill/>
+        </p:spPr>
+        <p:txBody>
+          <a:bodyPr wrap="square">
+            <a:spAutoFit/>
+          </a:bodyPr>
+          <a:lstStyle/>
+          <a:p>
+            <a:pPr algn="l"/>
+            <a:r>
+              <a:rPr lang="en-US" altLang="ko-KR" b="0" i="0" dirty="0">
+                <a:solidFill>
+                  <a:srgbClr val="555555"/>
+                </a:solidFill>
+                <a:effectLst/>
+                <a:latin typeface="Noto Serif KR"/>
+              </a:rPr>
+              <a:t>[6] </a:t>
+            </a:r>
+            <a:r>
+              <a:rPr lang="en-US" altLang="ko-KR" b="1" i="0" dirty="0">
+                <a:solidFill>
+                  <a:srgbClr val="555555"/>
+                </a:solidFill>
+                <a:effectLst/>
+                <a:latin typeface="Noto Serif KR"/>
+              </a:rPr>
+              <a:t>F1 score</a:t>
+            </a:r>
+            <a:endParaRPr lang="ko-KR" altLang="en-US" b="0" i="0" dirty="0">
+              <a:solidFill>
+                <a:srgbClr val="555555"/>
+              </a:solidFill>
+              <a:effectLst/>
+              <a:latin typeface="Spoqa Han Sans"/>
+            </a:endParaRPr>
+          </a:p>
+          <a:p>
+            <a:pPr algn="l"/>
+            <a:r>
+              <a:rPr lang="en-US" altLang="ko-KR" b="0" i="0" dirty="0">
+                <a:solidFill>
+                  <a:srgbClr val="555555"/>
+                </a:solidFill>
+                <a:effectLst/>
+                <a:latin typeface="Noto Serif KR"/>
+              </a:rPr>
+              <a:t>F1 score</a:t>
+            </a:r>
+            <a:r>
+              <a:rPr lang="ko-KR" altLang="en-US" b="0" i="0" dirty="0">
+                <a:solidFill>
+                  <a:srgbClr val="555555"/>
+                </a:solidFill>
+                <a:effectLst/>
+                <a:latin typeface="Noto Serif KR"/>
+              </a:rPr>
+              <a:t>는 </a:t>
+            </a:r>
+            <a:r>
+              <a:rPr lang="en-US" altLang="ko-KR" b="0" i="0" dirty="0">
+                <a:solidFill>
+                  <a:srgbClr val="555555"/>
+                </a:solidFill>
+                <a:effectLst/>
+                <a:latin typeface="Noto Serif KR"/>
+              </a:rPr>
+              <a:t>2 * (</a:t>
+            </a:r>
+            <a:r>
+              <a:rPr lang="ko-KR" altLang="en-US" b="0" i="0" dirty="0">
+                <a:solidFill>
+                  <a:srgbClr val="555555"/>
+                </a:solidFill>
+                <a:effectLst/>
+                <a:latin typeface="Noto Serif KR"/>
+              </a:rPr>
+              <a:t>정밀도 * 민감도</a:t>
+            </a:r>
+            <a:r>
+              <a:rPr lang="en-US" altLang="ko-KR" b="0" i="0" dirty="0">
+                <a:solidFill>
+                  <a:srgbClr val="555555"/>
+                </a:solidFill>
+                <a:effectLst/>
+                <a:latin typeface="Noto Serif KR"/>
+              </a:rPr>
+              <a:t>) / (</a:t>
+            </a:r>
+            <a:r>
+              <a:rPr lang="ko-KR" altLang="en-US" b="0" i="0" dirty="0">
+                <a:solidFill>
+                  <a:srgbClr val="555555"/>
+                </a:solidFill>
+                <a:effectLst/>
+                <a:latin typeface="Noto Serif KR"/>
+              </a:rPr>
+              <a:t>정밀도 </a:t>
+            </a:r>
+            <a:r>
+              <a:rPr lang="en-US" altLang="ko-KR" b="0" i="0" dirty="0">
+                <a:solidFill>
+                  <a:srgbClr val="555555"/>
+                </a:solidFill>
+                <a:effectLst/>
+                <a:latin typeface="Noto Serif KR"/>
+              </a:rPr>
+              <a:t>+ </a:t>
+            </a:r>
+            <a:r>
+              <a:rPr lang="ko-KR" altLang="en-US" b="0" i="0" dirty="0">
+                <a:solidFill>
+                  <a:srgbClr val="555555"/>
+                </a:solidFill>
+                <a:effectLst/>
+                <a:latin typeface="Noto Serif KR"/>
+              </a:rPr>
+              <a:t>민감도</a:t>
+            </a:r>
+            <a:r>
+              <a:rPr lang="en-US" altLang="ko-KR" b="0" i="0" dirty="0">
+                <a:solidFill>
+                  <a:srgbClr val="555555"/>
+                </a:solidFill>
+                <a:effectLst/>
+                <a:latin typeface="Noto Serif KR"/>
+              </a:rPr>
+              <a:t>)</a:t>
+            </a:r>
+            <a:r>
+              <a:rPr lang="ko-KR" altLang="en-US" b="0" i="0" dirty="0">
+                <a:solidFill>
+                  <a:srgbClr val="555555"/>
+                </a:solidFill>
+                <a:effectLst/>
+                <a:latin typeface="Noto Serif KR"/>
+              </a:rPr>
+              <a:t>를 가리킵니다</a:t>
+            </a:r>
+            <a:r>
+              <a:rPr lang="en-US" altLang="ko-KR" b="0" i="0" dirty="0">
+                <a:solidFill>
+                  <a:srgbClr val="555555"/>
+                </a:solidFill>
+                <a:effectLst/>
+                <a:latin typeface="Noto Serif KR"/>
+              </a:rPr>
+              <a:t>. </a:t>
+            </a:r>
+            <a:r>
+              <a:rPr lang="ko-KR" altLang="en-US" b="0" i="0" dirty="0">
+                <a:solidFill>
+                  <a:srgbClr val="555555"/>
+                </a:solidFill>
+                <a:effectLst/>
+                <a:latin typeface="Noto Serif KR"/>
+              </a:rPr>
+              <a:t>즉</a:t>
+            </a:r>
+            <a:r>
+              <a:rPr lang="en-US" altLang="ko-KR" b="0" i="0" dirty="0">
+                <a:solidFill>
+                  <a:srgbClr val="555555"/>
+                </a:solidFill>
+                <a:effectLst/>
+                <a:latin typeface="Noto Serif KR"/>
+              </a:rPr>
+              <a:t>, </a:t>
+            </a:r>
+            <a:r>
+              <a:rPr lang="ko-KR" altLang="en-US" b="0" i="0" dirty="0">
+                <a:solidFill>
+                  <a:srgbClr val="555555"/>
+                </a:solidFill>
+                <a:effectLst/>
+                <a:latin typeface="Noto Serif KR"/>
+              </a:rPr>
+              <a:t>정밀도와 민감도를 조화평균으로 구한 것입니다</a:t>
+            </a:r>
+            <a:r>
+              <a:rPr lang="en-US" altLang="ko-KR" b="0" i="0" dirty="0">
+                <a:solidFill>
+                  <a:srgbClr val="555555"/>
+                </a:solidFill>
+                <a:effectLst/>
+                <a:latin typeface="Noto Serif KR"/>
+              </a:rPr>
+              <a:t>. </a:t>
+            </a:r>
+            <a:r>
+              <a:rPr lang="ko-KR" altLang="en-US" b="0" i="0" dirty="0">
+                <a:solidFill>
+                  <a:srgbClr val="555555"/>
+                </a:solidFill>
+                <a:effectLst/>
+                <a:latin typeface="Noto Serif KR"/>
+              </a:rPr>
+              <a:t>조화평균의 특징은 분모의 값이 일정할 때 분모의 두 값이 다를수록 결과 값은 작아지기 때문에</a:t>
+            </a:r>
+            <a:r>
+              <a:rPr lang="en-US" altLang="ko-KR" b="0" i="0" dirty="0">
+                <a:solidFill>
+                  <a:srgbClr val="555555"/>
+                </a:solidFill>
+                <a:effectLst/>
+                <a:latin typeface="Noto Serif KR"/>
+              </a:rPr>
+              <a:t>, </a:t>
+            </a:r>
+            <a:r>
+              <a:rPr lang="ko-KR" altLang="en-US" b="0" i="0" dirty="0">
+                <a:solidFill>
+                  <a:srgbClr val="555555"/>
+                </a:solidFill>
+                <a:effectLst/>
+                <a:latin typeface="Noto Serif KR"/>
+              </a:rPr>
+              <a:t>민감도와 정밀도 중 한 쪽으로 값의 크기가 편중되었는지</a:t>
+            </a:r>
+            <a:r>
+              <a:rPr lang="en-US" altLang="ko-KR" b="0" i="0" dirty="0">
+                <a:solidFill>
+                  <a:srgbClr val="555555"/>
+                </a:solidFill>
+                <a:effectLst/>
+                <a:latin typeface="Noto Serif KR"/>
+              </a:rPr>
+              <a:t> </a:t>
+            </a:r>
+            <a:r>
+              <a:rPr lang="ko-KR" altLang="en-US" b="0" i="0" dirty="0">
+                <a:solidFill>
+                  <a:srgbClr val="555555"/>
+                </a:solidFill>
+                <a:effectLst/>
+                <a:latin typeface="Noto Serif KR"/>
+              </a:rPr>
+              <a:t>확인할 수 있습니다</a:t>
+            </a:r>
+            <a:r>
+              <a:rPr lang="en-US" altLang="ko-KR" b="0" i="0" dirty="0">
+                <a:solidFill>
+                  <a:srgbClr val="555555"/>
+                </a:solidFill>
+                <a:effectLst/>
+                <a:latin typeface="Noto Serif KR"/>
+              </a:rPr>
+              <a:t>.</a:t>
+            </a:r>
+            <a:endParaRPr lang="ko-KR" altLang="en-US" b="0" i="0" dirty="0">
+              <a:solidFill>
+                <a:srgbClr val="555555"/>
+              </a:solidFill>
+              <a:effectLst/>
+              <a:latin typeface="Spoqa Han Sans"/>
+            </a:endParaRPr>
+          </a:p>
+        </p:txBody>
+      </p:sp>
+    </p:spTree>
+    <p:extLst>
+      <p:ext uri="{BB962C8B-B14F-4D97-AF65-F5344CB8AC3E}">
+        <p14:creationId xmlns:p14="http://schemas.microsoft.com/office/powerpoint/2010/main" val="1875001409"/>
+      </p:ext>
+    </p:extLst>
   </p:cSld>
   <p:clrMapOvr>
     <a:masterClrMapping/>
